--- a/Final presentation Leveraging Machine Learning to Combat Bushmeat Poaching.pptx
+++ b/Final presentation Leveraging Machine Learning to Combat Bushmeat Poaching.pptx
@@ -133,1031 +133,6 @@
     </p:ext>
   </p:extLst>
 </p:presentation>
-</file>
-
-<file path=ppt/charts/chart1.xml><?xml version="1.0" encoding="utf-8"?>
-<c:chartSpace xmlns:c="http://schemas.openxmlformats.org/drawingml/2006/chart" xmlns:a="http://schemas.openxmlformats.org/drawingml/2006/main" xmlns:r="http://schemas.openxmlformats.org/officeDocument/2006/relationships" xmlns:c16r2="http://schemas.microsoft.com/office/drawing/2015/06/chart">
-  <c:date1904 val="0"/>
-  <c:lang val="en-US"/>
-  <c:roundedCorners val="0"/>
-  <mc:AlternateContent xmlns:mc="http://schemas.openxmlformats.org/markup-compatibility/2006">
-    <mc:Choice xmlns:c14="http://schemas.microsoft.com/office/drawing/2007/8/2/chart" Requires="c14">
-      <c14:style val="102"/>
-    </mc:Choice>
-    <mc:Fallback>
-      <c:style val="2"/>
-    </mc:Fallback>
-  </mc:AlternateContent>
-  <c:chart>
-    <c:title>
-      <c:tx>
-        <c:rich>
-          <a:bodyPr rot="0" spcFirstLastPara="1" vertOverflow="ellipsis" vert="horz" wrap="square" anchor="ctr" anchorCtr="1"/>
-          <a:lstStyle/>
-          <a:p>
-            <a:pPr>
-              <a:defRPr sz="1680" b="0" i="0" u="none" strike="noStrike" kern="1200" spc="0" baseline="0">
-                <a:solidFill>
-                  <a:schemeClr val="tx1">
-                    <a:lumMod val="65000"/>
-                    <a:lumOff val="35000"/>
-                  </a:schemeClr>
-                </a:solidFill>
-                <a:latin typeface="Times New Roman" panose="02020603050405020304" pitchFamily="18" charset="0"/>
-                <a:ea typeface="+mn-ea"/>
-                <a:cs typeface="Times New Roman" panose="02020603050405020304" pitchFamily="18" charset="0"/>
-              </a:defRPr>
-            </a:pPr>
-            <a:r>
-              <a:rPr lang="en-US"/>
-              <a:t>Summary of Predictive Models for Illegal Logging and Poaching</a:t>
-            </a:r>
-          </a:p>
-        </c:rich>
-      </c:tx>
-      <c:layout>
-        <c:manualLayout>
-          <c:xMode val="edge"/>
-          <c:yMode val="edge"/>
-          <c:x val="0.12213962447301213"/>
-          <c:y val="2.9197133915057762E-2"/>
-        </c:manualLayout>
-      </c:layout>
-      <c:overlay val="0"/>
-      <c:spPr>
-        <a:noFill/>
-        <a:ln>
-          <a:noFill/>
-        </a:ln>
-        <a:effectLst/>
-      </c:spPr>
-      <c:txPr>
-        <a:bodyPr rot="0" spcFirstLastPara="1" vertOverflow="ellipsis" vert="horz" wrap="square" anchor="ctr" anchorCtr="1"/>
-        <a:lstStyle/>
-        <a:p>
-          <a:pPr>
-            <a:defRPr sz="1680" b="0" i="0" u="none" strike="noStrike" kern="1200" spc="0" baseline="0">
-              <a:solidFill>
-                <a:schemeClr val="tx1">
-                  <a:lumMod val="65000"/>
-                  <a:lumOff val="35000"/>
-                </a:schemeClr>
-              </a:solidFill>
-              <a:latin typeface="Times New Roman" panose="02020603050405020304" pitchFamily="18" charset="0"/>
-              <a:ea typeface="+mn-ea"/>
-              <a:cs typeface="Times New Roman" panose="02020603050405020304" pitchFamily="18" charset="0"/>
-            </a:defRPr>
-          </a:pPr>
-          <a:endParaRPr lang="en-KE"/>
-        </a:p>
-      </c:txPr>
-    </c:title>
-    <c:autoTitleDeleted val="0"/>
-    <c:plotArea>
-      <c:layout/>
-      <c:barChart>
-        <c:barDir val="bar"/>
-        <c:grouping val="clustered"/>
-        <c:varyColors val="0"/>
-        <c:ser>
-          <c:idx val="0"/>
-          <c:order val="0"/>
-          <c:tx>
-            <c:strRef>
-              <c:f>Sheet1!$F$3</c:f>
-              <c:strCache>
-                <c:ptCount val="1"/>
-                <c:pt idx="0">
-                  <c:v>RMSE</c:v>
-                </c:pt>
-              </c:strCache>
-            </c:strRef>
-          </c:tx>
-          <c:spPr>
-            <a:solidFill>
-              <a:schemeClr val="accent1"/>
-            </a:solidFill>
-            <a:ln>
-              <a:noFill/>
-            </a:ln>
-            <a:effectLst/>
-          </c:spPr>
-          <c:invertIfNegative val="0"/>
-          <c:cat>
-            <c:multiLvlStrRef>
-              <c:f>Sheet1!$D$4:$E$10</c:f>
-              <c:multiLvlStrCache>
-                <c:ptCount val="7"/>
-                <c:lvl>
-                  <c:pt idx="0">
-                    <c:v>Logging</c:v>
-                  </c:pt>
-                  <c:pt idx="1">
-                    <c:v>Poaching</c:v>
-                  </c:pt>
-                  <c:pt idx="3">
-                    <c:v>VAR</c:v>
-                  </c:pt>
-                  <c:pt idx="5">
-                    <c:v>train set</c:v>
-                  </c:pt>
-                  <c:pt idx="6">
-                    <c:v>Test set</c:v>
-                  </c:pt>
-                </c:lvl>
-                <c:lvl>
-                  <c:pt idx="0">
-                    <c:v>ARIMA</c:v>
-                  </c:pt>
-                  <c:pt idx="3">
-                    <c:v>VAR</c:v>
-                  </c:pt>
-                  <c:pt idx="5">
-                    <c:v>Xbg</c:v>
-                  </c:pt>
-                </c:lvl>
-              </c:multiLvlStrCache>
-            </c:multiLvlStrRef>
-          </c:cat>
-          <c:val>
-            <c:numRef>
-              <c:f>Sheet1!$F$4:$F$10</c:f>
-              <c:numCache>
-                <c:formatCode>General</c:formatCode>
-                <c:ptCount val="7"/>
-                <c:pt idx="0">
-                  <c:v>5.57</c:v>
-                </c:pt>
-                <c:pt idx="1">
-                  <c:v>10.35</c:v>
-                </c:pt>
-                <c:pt idx="3">
-                  <c:v>8.31</c:v>
-                </c:pt>
-                <c:pt idx="5">
-                  <c:v>9.91</c:v>
-                </c:pt>
-                <c:pt idx="6">
-                  <c:v>9.31</c:v>
-                </c:pt>
-              </c:numCache>
-            </c:numRef>
-          </c:val>
-          <c:extLst>
-            <c:ext xmlns:c16="http://schemas.microsoft.com/office/drawing/2014/chart" uri="{C3380CC4-5D6E-409C-BE32-E72D297353CC}">
-              <c16:uniqueId val="{00000000-2109-4A3B-9DB9-0594FB2B6C99}"/>
-            </c:ext>
-          </c:extLst>
-        </c:ser>
-        <c:dLbls>
-          <c:showLegendKey val="0"/>
-          <c:showVal val="0"/>
-          <c:showCatName val="0"/>
-          <c:showSerName val="0"/>
-          <c:showPercent val="0"/>
-          <c:showBubbleSize val="0"/>
-        </c:dLbls>
-        <c:gapWidth val="182"/>
-        <c:axId val="388688783"/>
-        <c:axId val="388690031"/>
-      </c:barChart>
-      <c:catAx>
-        <c:axId val="388688783"/>
-        <c:scaling>
-          <c:orientation val="minMax"/>
-        </c:scaling>
-        <c:delete val="0"/>
-        <c:axPos val="l"/>
-        <c:title>
-          <c:tx>
-            <c:rich>
-              <a:bodyPr rot="-5400000" spcFirstLastPara="1" vertOverflow="ellipsis" vert="horz" wrap="square" anchor="ctr" anchorCtr="1"/>
-              <a:lstStyle/>
-              <a:p>
-                <a:pPr>
-                  <a:defRPr sz="1400" b="0" i="0" u="none" strike="noStrike" kern="1200" baseline="0">
-                    <a:solidFill>
-                      <a:schemeClr val="tx1">
-                        <a:lumMod val="65000"/>
-                        <a:lumOff val="35000"/>
-                      </a:schemeClr>
-                    </a:solidFill>
-                    <a:latin typeface="Times New Roman" panose="02020603050405020304" pitchFamily="18" charset="0"/>
-                    <a:ea typeface="+mn-ea"/>
-                    <a:cs typeface="Times New Roman" panose="02020603050405020304" pitchFamily="18" charset="0"/>
-                  </a:defRPr>
-                </a:pPr>
-                <a:r>
-                  <a:rPr lang="en-US"/>
-                  <a:t>Predictive Model</a:t>
-                </a:r>
-              </a:p>
-            </c:rich>
-          </c:tx>
-          <c:overlay val="0"/>
-          <c:spPr>
-            <a:noFill/>
-            <a:ln>
-              <a:noFill/>
-            </a:ln>
-            <a:effectLst/>
-          </c:spPr>
-          <c:txPr>
-            <a:bodyPr rot="-5400000" spcFirstLastPara="1" vertOverflow="ellipsis" vert="horz" wrap="square" anchor="ctr" anchorCtr="1"/>
-            <a:lstStyle/>
-            <a:p>
-              <a:pPr>
-                <a:defRPr sz="1400" b="0" i="0" u="none" strike="noStrike" kern="1200" baseline="0">
-                  <a:solidFill>
-                    <a:schemeClr val="tx1">
-                      <a:lumMod val="65000"/>
-                      <a:lumOff val="35000"/>
-                    </a:schemeClr>
-                  </a:solidFill>
-                  <a:latin typeface="Times New Roman" panose="02020603050405020304" pitchFamily="18" charset="0"/>
-                  <a:ea typeface="+mn-ea"/>
-                  <a:cs typeface="Times New Roman" panose="02020603050405020304" pitchFamily="18" charset="0"/>
-                </a:defRPr>
-              </a:pPr>
-              <a:endParaRPr lang="en-KE"/>
-            </a:p>
-          </c:txPr>
-        </c:title>
-        <c:numFmt formatCode="General" sourceLinked="1"/>
-        <c:majorTickMark val="none"/>
-        <c:minorTickMark val="none"/>
-        <c:tickLblPos val="nextTo"/>
-        <c:spPr>
-          <a:noFill/>
-          <a:ln w="9525" cap="flat" cmpd="sng" algn="ctr">
-            <a:solidFill>
-              <a:schemeClr val="tx1">
-                <a:lumMod val="15000"/>
-                <a:lumOff val="85000"/>
-              </a:schemeClr>
-            </a:solidFill>
-            <a:round/>
-          </a:ln>
-          <a:effectLst/>
-        </c:spPr>
-        <c:txPr>
-          <a:bodyPr rot="-60000000" spcFirstLastPara="1" vertOverflow="ellipsis" vert="horz" wrap="square" anchor="ctr" anchorCtr="1"/>
-          <a:lstStyle/>
-          <a:p>
-            <a:pPr>
-              <a:defRPr sz="1400" b="0" i="0" u="none" strike="noStrike" kern="1200" baseline="0">
-                <a:solidFill>
-                  <a:schemeClr val="tx1">
-                    <a:lumMod val="65000"/>
-                    <a:lumOff val="35000"/>
-                  </a:schemeClr>
-                </a:solidFill>
-                <a:latin typeface="Times New Roman" panose="02020603050405020304" pitchFamily="18" charset="0"/>
-                <a:ea typeface="+mn-ea"/>
-                <a:cs typeface="Times New Roman" panose="02020603050405020304" pitchFamily="18" charset="0"/>
-              </a:defRPr>
-            </a:pPr>
-            <a:endParaRPr lang="en-KE"/>
-          </a:p>
-        </c:txPr>
-        <c:crossAx val="388690031"/>
-        <c:crosses val="autoZero"/>
-        <c:auto val="1"/>
-        <c:lblAlgn val="ctr"/>
-        <c:lblOffset val="100"/>
-        <c:noMultiLvlLbl val="0"/>
-      </c:catAx>
-      <c:valAx>
-        <c:axId val="388690031"/>
-        <c:scaling>
-          <c:orientation val="minMax"/>
-        </c:scaling>
-        <c:delete val="0"/>
-        <c:axPos val="b"/>
-        <c:majorGridlines>
-          <c:spPr>
-            <a:ln w="9525" cap="flat" cmpd="sng" algn="ctr">
-              <a:solidFill>
-                <a:schemeClr val="tx1">
-                  <a:lumMod val="15000"/>
-                  <a:lumOff val="85000"/>
-                </a:schemeClr>
-              </a:solidFill>
-              <a:round/>
-            </a:ln>
-            <a:effectLst/>
-          </c:spPr>
-        </c:majorGridlines>
-        <c:title>
-          <c:tx>
-            <c:rich>
-              <a:bodyPr rot="0" spcFirstLastPara="1" vertOverflow="ellipsis" vert="horz" wrap="square" anchor="ctr" anchorCtr="1"/>
-              <a:lstStyle/>
-              <a:p>
-                <a:pPr>
-                  <a:defRPr sz="1400" b="0" i="0" u="none" strike="noStrike" kern="1200" baseline="0">
-                    <a:solidFill>
-                      <a:schemeClr val="tx1">
-                        <a:lumMod val="65000"/>
-                        <a:lumOff val="35000"/>
-                      </a:schemeClr>
-                    </a:solidFill>
-                    <a:latin typeface="Times New Roman" panose="02020603050405020304" pitchFamily="18" charset="0"/>
-                    <a:ea typeface="+mn-ea"/>
-                    <a:cs typeface="Times New Roman" panose="02020603050405020304" pitchFamily="18" charset="0"/>
-                  </a:defRPr>
-                </a:pPr>
-                <a:r>
-                  <a:rPr lang="en-US"/>
-                  <a:t>RMSE </a:t>
-                </a:r>
-              </a:p>
-            </c:rich>
-          </c:tx>
-          <c:overlay val="0"/>
-          <c:spPr>
-            <a:noFill/>
-            <a:ln>
-              <a:noFill/>
-            </a:ln>
-            <a:effectLst/>
-          </c:spPr>
-          <c:txPr>
-            <a:bodyPr rot="0" spcFirstLastPara="1" vertOverflow="ellipsis" vert="horz" wrap="square" anchor="ctr" anchorCtr="1"/>
-            <a:lstStyle/>
-            <a:p>
-              <a:pPr>
-                <a:defRPr sz="1400" b="0" i="0" u="none" strike="noStrike" kern="1200" baseline="0">
-                  <a:solidFill>
-                    <a:schemeClr val="tx1">
-                      <a:lumMod val="65000"/>
-                      <a:lumOff val="35000"/>
-                    </a:schemeClr>
-                  </a:solidFill>
-                  <a:latin typeface="Times New Roman" panose="02020603050405020304" pitchFamily="18" charset="0"/>
-                  <a:ea typeface="+mn-ea"/>
-                  <a:cs typeface="Times New Roman" panose="02020603050405020304" pitchFamily="18" charset="0"/>
-                </a:defRPr>
-              </a:pPr>
-              <a:endParaRPr lang="en-KE"/>
-            </a:p>
-          </c:txPr>
-        </c:title>
-        <c:numFmt formatCode="General" sourceLinked="1"/>
-        <c:majorTickMark val="none"/>
-        <c:minorTickMark val="none"/>
-        <c:tickLblPos val="nextTo"/>
-        <c:spPr>
-          <a:noFill/>
-          <a:ln>
-            <a:noFill/>
-          </a:ln>
-          <a:effectLst/>
-        </c:spPr>
-        <c:txPr>
-          <a:bodyPr rot="-60000000" spcFirstLastPara="1" vertOverflow="ellipsis" vert="horz" wrap="square" anchor="ctr" anchorCtr="1"/>
-          <a:lstStyle/>
-          <a:p>
-            <a:pPr>
-              <a:defRPr sz="1400" b="0" i="0" u="none" strike="noStrike" kern="1200" baseline="0">
-                <a:solidFill>
-                  <a:schemeClr val="tx1">
-                    <a:lumMod val="65000"/>
-                    <a:lumOff val="35000"/>
-                  </a:schemeClr>
-                </a:solidFill>
-                <a:latin typeface="Times New Roman" panose="02020603050405020304" pitchFamily="18" charset="0"/>
-                <a:ea typeface="+mn-ea"/>
-                <a:cs typeface="Times New Roman" panose="02020603050405020304" pitchFamily="18" charset="0"/>
-              </a:defRPr>
-            </a:pPr>
-            <a:endParaRPr lang="en-KE"/>
-          </a:p>
-        </c:txPr>
-        <c:crossAx val="388688783"/>
-        <c:crosses val="autoZero"/>
-        <c:crossBetween val="between"/>
-      </c:valAx>
-      <c:dTable>
-        <c:showHorzBorder val="1"/>
-        <c:showVertBorder val="1"/>
-        <c:showOutline val="1"/>
-        <c:showKeys val="1"/>
-        <c:spPr>
-          <a:noFill/>
-          <a:ln w="9525" cap="flat" cmpd="sng" algn="ctr">
-            <a:solidFill>
-              <a:schemeClr val="tx1">
-                <a:lumMod val="15000"/>
-                <a:lumOff val="85000"/>
-              </a:schemeClr>
-            </a:solidFill>
-            <a:round/>
-          </a:ln>
-          <a:effectLst/>
-        </c:spPr>
-        <c:txPr>
-          <a:bodyPr rot="0" spcFirstLastPara="1" vertOverflow="ellipsis" vert="horz" wrap="square" anchor="ctr" anchorCtr="1"/>
-          <a:lstStyle/>
-          <a:p>
-            <a:pPr rtl="0">
-              <a:defRPr sz="1400" b="0" i="0" u="none" strike="noStrike" kern="1200" baseline="0">
-                <a:solidFill>
-                  <a:schemeClr val="tx1">
-                    <a:lumMod val="65000"/>
-                    <a:lumOff val="35000"/>
-                  </a:schemeClr>
-                </a:solidFill>
-                <a:latin typeface="Times New Roman" panose="02020603050405020304" pitchFamily="18" charset="0"/>
-                <a:ea typeface="+mn-ea"/>
-                <a:cs typeface="Times New Roman" panose="02020603050405020304" pitchFamily="18" charset="0"/>
-              </a:defRPr>
-            </a:pPr>
-            <a:endParaRPr lang="en-KE"/>
-          </a:p>
-        </c:txPr>
-      </c:dTable>
-      <c:spPr>
-        <a:noFill/>
-        <a:ln>
-          <a:noFill/>
-        </a:ln>
-        <a:effectLst/>
-      </c:spPr>
-    </c:plotArea>
-    <c:plotVisOnly val="1"/>
-    <c:dispBlanksAs val="gap"/>
-    <c:showDLblsOverMax val="0"/>
-  </c:chart>
-  <c:spPr>
-    <a:noFill/>
-    <a:ln>
-      <a:noFill/>
-    </a:ln>
-    <a:effectLst/>
-  </c:spPr>
-  <c:txPr>
-    <a:bodyPr/>
-    <a:lstStyle/>
-    <a:p>
-      <a:pPr>
-        <a:defRPr sz="1400">
-          <a:latin typeface="Times New Roman" panose="02020603050405020304" pitchFamily="18" charset="0"/>
-          <a:cs typeface="Times New Roman" panose="02020603050405020304" pitchFamily="18" charset="0"/>
-        </a:defRPr>
-      </a:pPr>
-      <a:endParaRPr lang="en-KE"/>
-    </a:p>
-  </c:txPr>
-  <c:externalData r:id="rId3">
-    <c:autoUpdate val="0"/>
-  </c:externalData>
-</c:chartSpace>
-</file>
-
-<file path=ppt/charts/colors1.xml><?xml version="1.0" encoding="utf-8"?>
-<cs:colorStyle xmlns:cs="http://schemas.microsoft.com/office/drawing/2012/chartStyle" xmlns:a="http://schemas.openxmlformats.org/drawingml/2006/main" meth="cycle" id="10">
-  <a:schemeClr val="accent1"/>
-  <a:schemeClr val="accent2"/>
-  <a:schemeClr val="accent3"/>
-  <a:schemeClr val="accent4"/>
-  <a:schemeClr val="accent5"/>
-  <a:schemeClr val="accent6"/>
-  <cs:variation/>
-  <cs:variation>
-    <a:lumMod val="60000"/>
-  </cs:variation>
-  <cs:variation>
-    <a:lumMod val="80000"/>
-    <a:lumOff val="20000"/>
-  </cs:variation>
-  <cs:variation>
-    <a:lumMod val="80000"/>
-  </cs:variation>
-  <cs:variation>
-    <a:lumMod val="60000"/>
-    <a:lumOff val="40000"/>
-  </cs:variation>
-  <cs:variation>
-    <a:lumMod val="50000"/>
-  </cs:variation>
-  <cs:variation>
-    <a:lumMod val="70000"/>
-    <a:lumOff val="30000"/>
-  </cs:variation>
-  <cs:variation>
-    <a:lumMod val="70000"/>
-  </cs:variation>
-  <cs:variation>
-    <a:lumMod val="50000"/>
-    <a:lumOff val="50000"/>
-  </cs:variation>
-</cs:colorStyle>
-</file>
-
-<file path=ppt/charts/style1.xml><?xml version="1.0" encoding="utf-8"?>
-<cs:chartStyle xmlns:cs="http://schemas.microsoft.com/office/drawing/2012/chartStyle" xmlns:a="http://schemas.openxmlformats.org/drawingml/2006/main" id="216">
-  <cs:axisTitle>
-    <cs:lnRef idx="0"/>
-    <cs:fillRef idx="0"/>
-    <cs:effectRef idx="0"/>
-    <cs:fontRef idx="minor">
-      <a:schemeClr val="tx1">
-        <a:lumMod val="65000"/>
-        <a:lumOff val="35000"/>
-      </a:schemeClr>
-    </cs:fontRef>
-    <cs:defRPr sz="1000" kern="1200"/>
-  </cs:axisTitle>
-  <cs:categoryAxis>
-    <cs:lnRef idx="0"/>
-    <cs:fillRef idx="0"/>
-    <cs:effectRef idx="0"/>
-    <cs:fontRef idx="minor">
-      <a:schemeClr val="tx1">
-        <a:lumMod val="65000"/>
-        <a:lumOff val="35000"/>
-      </a:schemeClr>
-    </cs:fontRef>
-    <cs:spPr>
-      <a:ln w="9525" cap="flat" cmpd="sng" algn="ctr">
-        <a:solidFill>
-          <a:schemeClr val="tx1">
-            <a:lumMod val="15000"/>
-            <a:lumOff val="85000"/>
-          </a:schemeClr>
-        </a:solidFill>
-        <a:round/>
-      </a:ln>
-    </cs:spPr>
-    <cs:defRPr sz="900" kern="1200"/>
-  </cs:categoryAxis>
-  <cs:chartArea mods="allowNoFillOverride allowNoLineOverride">
-    <cs:lnRef idx="0"/>
-    <cs:fillRef idx="0"/>
-    <cs:effectRef idx="0"/>
-    <cs:fontRef idx="minor">
-      <a:schemeClr val="tx1"/>
-    </cs:fontRef>
-    <cs:spPr>
-      <a:solidFill>
-        <a:schemeClr val="bg1"/>
-      </a:solidFill>
-      <a:ln w="9525" cap="flat" cmpd="sng" algn="ctr">
-        <a:solidFill>
-          <a:schemeClr val="tx1">
-            <a:lumMod val="15000"/>
-            <a:lumOff val="85000"/>
-          </a:schemeClr>
-        </a:solidFill>
-        <a:round/>
-      </a:ln>
-    </cs:spPr>
-    <cs:defRPr sz="1000" kern="1200"/>
-  </cs:chartArea>
-  <cs:dataLabel>
-    <cs:lnRef idx="0"/>
-    <cs:fillRef idx="0"/>
-    <cs:effectRef idx="0"/>
-    <cs:fontRef idx="minor">
-      <a:schemeClr val="tx1">
-        <a:lumMod val="75000"/>
-        <a:lumOff val="25000"/>
-      </a:schemeClr>
-    </cs:fontRef>
-    <cs:defRPr sz="900" kern="1200"/>
-  </cs:dataLabel>
-  <cs:dataLabelCallout>
-    <cs:lnRef idx="0"/>
-    <cs:fillRef idx="0"/>
-    <cs:effectRef idx="0"/>
-    <cs:fontRef idx="minor">
-      <a:schemeClr val="dk1">
-        <a:lumMod val="65000"/>
-        <a:lumOff val="35000"/>
-      </a:schemeClr>
-    </cs:fontRef>
-    <cs:spPr>
-      <a:solidFill>
-        <a:schemeClr val="lt1"/>
-      </a:solidFill>
-      <a:ln>
-        <a:solidFill>
-          <a:schemeClr val="dk1">
-            <a:lumMod val="25000"/>
-            <a:lumOff val="75000"/>
-          </a:schemeClr>
-        </a:solidFill>
-      </a:ln>
-    </cs:spPr>
-    <cs:defRPr sz="900" kern="1200"/>
-    <cs:bodyPr rot="0" spcFirstLastPara="1" vertOverflow="clip" horzOverflow="clip" vert="horz" wrap="square" lIns="36576" tIns="18288" rIns="36576" bIns="18288" anchor="ctr" anchorCtr="1">
-      <a:spAutoFit/>
-    </cs:bodyPr>
-  </cs:dataLabelCallout>
-  <cs:dataPoint>
-    <cs:lnRef idx="0"/>
-    <cs:fillRef idx="1">
-      <cs:styleClr val="auto"/>
-    </cs:fillRef>
-    <cs:effectRef idx="0"/>
-    <cs:fontRef idx="minor">
-      <a:schemeClr val="tx1"/>
-    </cs:fontRef>
-  </cs:dataPoint>
-  <cs:dataPoint3D>
-    <cs:lnRef idx="0"/>
-    <cs:fillRef idx="1">
-      <cs:styleClr val="auto"/>
-    </cs:fillRef>
-    <cs:effectRef idx="0"/>
-    <cs:fontRef idx="minor">
-      <a:schemeClr val="tx1"/>
-    </cs:fontRef>
-  </cs:dataPoint3D>
-  <cs:dataPointLine>
-    <cs:lnRef idx="0">
-      <cs:styleClr val="auto"/>
-    </cs:lnRef>
-    <cs:fillRef idx="1"/>
-    <cs:effectRef idx="0"/>
-    <cs:fontRef idx="minor">
-      <a:schemeClr val="tx1"/>
-    </cs:fontRef>
-    <cs:spPr>
-      <a:ln w="28575" cap="rnd">
-        <a:solidFill>
-          <a:schemeClr val="phClr"/>
-        </a:solidFill>
-        <a:round/>
-      </a:ln>
-    </cs:spPr>
-  </cs:dataPointLine>
-  <cs:dataPointMarker>
-    <cs:lnRef idx="0">
-      <cs:styleClr val="auto"/>
-    </cs:lnRef>
-    <cs:fillRef idx="1">
-      <cs:styleClr val="auto"/>
-    </cs:fillRef>
-    <cs:effectRef idx="0"/>
-    <cs:fontRef idx="minor">
-      <a:schemeClr val="tx1"/>
-    </cs:fontRef>
-    <cs:spPr>
-      <a:ln w="9525">
-        <a:solidFill>
-          <a:schemeClr val="phClr"/>
-        </a:solidFill>
-      </a:ln>
-    </cs:spPr>
-  </cs:dataPointMarker>
-  <cs:dataPointMarkerLayout symbol="circle" size="5"/>
-  <cs:dataPointWireframe>
-    <cs:lnRef idx="0">
-      <cs:styleClr val="auto"/>
-    </cs:lnRef>
-    <cs:fillRef idx="1"/>
-    <cs:effectRef idx="0"/>
-    <cs:fontRef idx="minor">
-      <a:schemeClr val="tx1"/>
-    </cs:fontRef>
-    <cs:spPr>
-      <a:ln w="9525" cap="rnd">
-        <a:solidFill>
-          <a:schemeClr val="phClr"/>
-        </a:solidFill>
-        <a:round/>
-      </a:ln>
-    </cs:spPr>
-  </cs:dataPointWireframe>
-  <cs:dataTable>
-    <cs:lnRef idx="0"/>
-    <cs:fillRef idx="0"/>
-    <cs:effectRef idx="0"/>
-    <cs:fontRef idx="minor">
-      <a:schemeClr val="tx1">
-        <a:lumMod val="65000"/>
-        <a:lumOff val="35000"/>
-      </a:schemeClr>
-    </cs:fontRef>
-    <cs:spPr>
-      <a:noFill/>
-      <a:ln w="9525" cap="flat" cmpd="sng" algn="ctr">
-        <a:solidFill>
-          <a:schemeClr val="tx1">
-            <a:lumMod val="15000"/>
-            <a:lumOff val="85000"/>
-          </a:schemeClr>
-        </a:solidFill>
-        <a:round/>
-      </a:ln>
-    </cs:spPr>
-    <cs:defRPr sz="900" kern="1200"/>
-  </cs:dataTable>
-  <cs:downBar>
-    <cs:lnRef idx="0"/>
-    <cs:fillRef idx="0"/>
-    <cs:effectRef idx="0"/>
-    <cs:fontRef idx="minor">
-      <a:schemeClr val="tx1"/>
-    </cs:fontRef>
-    <cs:spPr>
-      <a:solidFill>
-        <a:schemeClr val="dk1">
-          <a:lumMod val="75000"/>
-          <a:lumOff val="25000"/>
-        </a:schemeClr>
-      </a:solidFill>
-      <a:ln w="9525" cap="flat" cmpd="sng" algn="ctr">
-        <a:solidFill>
-          <a:schemeClr val="tx1">
-            <a:lumMod val="65000"/>
-            <a:lumOff val="35000"/>
-          </a:schemeClr>
-        </a:solidFill>
-        <a:round/>
-      </a:ln>
-    </cs:spPr>
-  </cs:downBar>
-  <cs:dropLine>
-    <cs:lnRef idx="0"/>
-    <cs:fillRef idx="0"/>
-    <cs:effectRef idx="0"/>
-    <cs:fontRef idx="minor">
-      <a:schemeClr val="tx1"/>
-    </cs:fontRef>
-    <cs:spPr>
-      <a:ln w="9525" cap="flat" cmpd="sng" algn="ctr">
-        <a:solidFill>
-          <a:schemeClr val="tx1">
-            <a:lumMod val="35000"/>
-            <a:lumOff val="65000"/>
-          </a:schemeClr>
-        </a:solidFill>
-        <a:round/>
-      </a:ln>
-    </cs:spPr>
-  </cs:dropLine>
-  <cs:errorBar>
-    <cs:lnRef idx="0"/>
-    <cs:fillRef idx="0"/>
-    <cs:effectRef idx="0"/>
-    <cs:fontRef idx="minor">
-      <a:schemeClr val="tx1"/>
-    </cs:fontRef>
-    <cs:spPr>
-      <a:ln w="9525" cap="flat" cmpd="sng" algn="ctr">
-        <a:solidFill>
-          <a:schemeClr val="tx1">
-            <a:lumMod val="65000"/>
-            <a:lumOff val="35000"/>
-          </a:schemeClr>
-        </a:solidFill>
-        <a:round/>
-      </a:ln>
-    </cs:spPr>
-  </cs:errorBar>
-  <cs:floor>
-    <cs:lnRef idx="0"/>
-    <cs:fillRef idx="0"/>
-    <cs:effectRef idx="0"/>
-    <cs:fontRef idx="minor">
-      <a:schemeClr val="tx1"/>
-    </cs:fontRef>
-    <cs:spPr>
-      <a:noFill/>
-      <a:ln>
-        <a:noFill/>
-      </a:ln>
-    </cs:spPr>
-  </cs:floor>
-  <cs:gridlineMajor>
-    <cs:lnRef idx="0"/>
-    <cs:fillRef idx="0"/>
-    <cs:effectRef idx="0"/>
-    <cs:fontRef idx="minor">
-      <a:schemeClr val="tx1"/>
-    </cs:fontRef>
-    <cs:spPr>
-      <a:ln w="9525" cap="flat" cmpd="sng" algn="ctr">
-        <a:solidFill>
-          <a:schemeClr val="tx1">
-            <a:lumMod val="15000"/>
-            <a:lumOff val="85000"/>
-          </a:schemeClr>
-        </a:solidFill>
-        <a:round/>
-      </a:ln>
-    </cs:spPr>
-  </cs:gridlineMajor>
-  <cs:gridlineMinor>
-    <cs:lnRef idx="0"/>
-    <cs:fillRef idx="0"/>
-    <cs:effectRef idx="0"/>
-    <cs:fontRef idx="minor">
-      <a:schemeClr val="tx1"/>
-    </cs:fontRef>
-    <cs:spPr>
-      <a:ln w="9525" cap="flat" cmpd="sng" algn="ctr">
-        <a:solidFill>
-          <a:schemeClr val="tx1">
-            <a:lumMod val="5000"/>
-            <a:lumOff val="95000"/>
-          </a:schemeClr>
-        </a:solidFill>
-        <a:round/>
-      </a:ln>
-    </cs:spPr>
-  </cs:gridlineMinor>
-  <cs:hiLoLine>
-    <cs:lnRef idx="0"/>
-    <cs:fillRef idx="0"/>
-    <cs:effectRef idx="0"/>
-    <cs:fontRef idx="minor">
-      <a:schemeClr val="tx1"/>
-    </cs:fontRef>
-    <cs:spPr>
-      <a:ln w="9525" cap="flat" cmpd="sng" algn="ctr">
-        <a:solidFill>
-          <a:schemeClr val="tx1">
-            <a:lumMod val="50000"/>
-            <a:lumOff val="50000"/>
-          </a:schemeClr>
-        </a:solidFill>
-        <a:round/>
-      </a:ln>
-    </cs:spPr>
-  </cs:hiLoLine>
-  <cs:leaderLine>
-    <cs:lnRef idx="0"/>
-    <cs:fillRef idx="0"/>
-    <cs:effectRef idx="0"/>
-    <cs:fontRef idx="minor">
-      <a:schemeClr val="tx1"/>
-    </cs:fontRef>
-    <cs:spPr>
-      <a:ln w="9525" cap="flat" cmpd="sng" algn="ctr">
-        <a:solidFill>
-          <a:schemeClr val="tx1">
-            <a:lumMod val="35000"/>
-            <a:lumOff val="65000"/>
-          </a:schemeClr>
-        </a:solidFill>
-        <a:round/>
-      </a:ln>
-    </cs:spPr>
-  </cs:leaderLine>
-  <cs:legend>
-    <cs:lnRef idx="0"/>
-    <cs:fillRef idx="0"/>
-    <cs:effectRef idx="0"/>
-    <cs:fontRef idx="minor">
-      <a:schemeClr val="tx1">
-        <a:lumMod val="65000"/>
-        <a:lumOff val="35000"/>
-      </a:schemeClr>
-    </cs:fontRef>
-    <cs:defRPr sz="900" kern="1200"/>
-  </cs:legend>
-  <cs:plotArea mods="allowNoFillOverride allowNoLineOverride">
-    <cs:lnRef idx="0"/>
-    <cs:fillRef idx="0"/>
-    <cs:effectRef idx="0"/>
-    <cs:fontRef idx="minor">
-      <a:schemeClr val="tx1"/>
-    </cs:fontRef>
-  </cs:plotArea>
-  <cs:plotArea3D mods="allowNoFillOverride allowNoLineOverride">
-    <cs:lnRef idx="0"/>
-    <cs:fillRef idx="0"/>
-    <cs:effectRef idx="0"/>
-    <cs:fontRef idx="minor">
-      <a:schemeClr val="tx1"/>
-    </cs:fontRef>
-  </cs:plotArea3D>
-  <cs:seriesAxis>
-    <cs:lnRef idx="0"/>
-    <cs:fillRef idx="0"/>
-    <cs:effectRef idx="0"/>
-    <cs:fontRef idx="minor">
-      <a:schemeClr val="tx1">
-        <a:lumMod val="65000"/>
-        <a:lumOff val="35000"/>
-      </a:schemeClr>
-    </cs:fontRef>
-    <cs:defRPr sz="900" kern="1200"/>
-  </cs:seriesAxis>
-  <cs:seriesLine>
-    <cs:lnRef idx="0"/>
-    <cs:fillRef idx="0"/>
-    <cs:effectRef idx="0"/>
-    <cs:fontRef idx="minor">
-      <a:schemeClr val="tx1"/>
-    </cs:fontRef>
-    <cs:spPr>
-      <a:ln w="9525" cap="flat" cmpd="sng" algn="ctr">
-        <a:solidFill>
-          <a:schemeClr val="tx1">
-            <a:lumMod val="35000"/>
-            <a:lumOff val="65000"/>
-          </a:schemeClr>
-        </a:solidFill>
-        <a:round/>
-      </a:ln>
-    </cs:spPr>
-  </cs:seriesLine>
-  <cs:title>
-    <cs:lnRef idx="0"/>
-    <cs:fillRef idx="0"/>
-    <cs:effectRef idx="0"/>
-    <cs:fontRef idx="minor">
-      <a:schemeClr val="tx1">
-        <a:lumMod val="65000"/>
-        <a:lumOff val="35000"/>
-      </a:schemeClr>
-    </cs:fontRef>
-    <cs:defRPr sz="1400" b="0" kern="1200" spc="0" baseline="0"/>
-  </cs:title>
-  <cs:trendline>
-    <cs:lnRef idx="0">
-      <cs:styleClr val="auto"/>
-    </cs:lnRef>
-    <cs:fillRef idx="0"/>
-    <cs:effectRef idx="0"/>
-    <cs:fontRef idx="minor">
-      <a:schemeClr val="tx1"/>
-    </cs:fontRef>
-    <cs:spPr>
-      <a:ln w="19050" cap="rnd">
-        <a:solidFill>
-          <a:schemeClr val="phClr"/>
-        </a:solidFill>
-        <a:prstDash val="sysDot"/>
-      </a:ln>
-    </cs:spPr>
-  </cs:trendline>
-  <cs:trendlineLabel>
-    <cs:lnRef idx="0"/>
-    <cs:fillRef idx="0"/>
-    <cs:effectRef idx="0"/>
-    <cs:fontRef idx="minor">
-      <a:schemeClr val="tx1">
-        <a:lumMod val="65000"/>
-        <a:lumOff val="35000"/>
-      </a:schemeClr>
-    </cs:fontRef>
-    <cs:defRPr sz="900" kern="1200"/>
-  </cs:trendlineLabel>
-  <cs:upBar>
-    <cs:lnRef idx="0"/>
-    <cs:fillRef idx="0"/>
-    <cs:effectRef idx="0"/>
-    <cs:fontRef idx="minor">
-      <a:schemeClr val="tx1"/>
-    </cs:fontRef>
-    <cs:spPr>
-      <a:solidFill>
-        <a:schemeClr val="lt1"/>
-      </a:solidFill>
-      <a:ln w="9525" cap="flat" cmpd="sng" algn="ctr">
-        <a:solidFill>
-          <a:schemeClr val="tx1">
-            <a:lumMod val="65000"/>
-            <a:lumOff val="35000"/>
-          </a:schemeClr>
-        </a:solidFill>
-        <a:round/>
-      </a:ln>
-    </cs:spPr>
-  </cs:upBar>
-  <cs:valueAxis>
-    <cs:lnRef idx="0"/>
-    <cs:fillRef idx="0"/>
-    <cs:effectRef idx="0"/>
-    <cs:fontRef idx="minor">
-      <a:schemeClr val="tx1">
-        <a:lumMod val="65000"/>
-        <a:lumOff val="35000"/>
-      </a:schemeClr>
-    </cs:fontRef>
-    <cs:defRPr sz="900" kern="1200"/>
-  </cs:valueAxis>
-  <cs:wall>
-    <cs:lnRef idx="0"/>
-    <cs:fillRef idx="0"/>
-    <cs:effectRef idx="0"/>
-    <cs:fontRef idx="minor">
-      <a:schemeClr val="tx1"/>
-    </cs:fontRef>
-    <cs:spPr>
-      <a:noFill/>
-      <a:ln>
-        <a:noFill/>
-      </a:ln>
-    </cs:spPr>
-  </cs:wall>
-</cs:chartStyle>
 </file>
 
 <file path=ppt/diagrams/colors1.xml><?xml version="1.0" encoding="utf-8"?>
@@ -4124,7 +3099,7 @@
           <a:p>
             <a:fld id="{5AF5D662-6ABA-4404-89E8-F5EA9376F5F4}" type="datetimeFigureOut">
               <a:rPr lang="en-US" smtClean="0"/>
-              <a:t>5/3/2024</a:t>
+              <a:t>5/4/2024</a:t>
             </a:fld>
             <a:endParaRPr lang="en-US"/>
           </a:p>
@@ -4294,7 +3269,7 @@
           <a:p>
             <a:fld id="{5AF5D662-6ABA-4404-89E8-F5EA9376F5F4}" type="datetimeFigureOut">
               <a:rPr lang="en-US" smtClean="0"/>
-              <a:t>5/3/2024</a:t>
+              <a:t>5/4/2024</a:t>
             </a:fld>
             <a:endParaRPr lang="en-US"/>
           </a:p>
@@ -4474,7 +3449,7 @@
           <a:p>
             <a:fld id="{5AF5D662-6ABA-4404-89E8-F5EA9376F5F4}" type="datetimeFigureOut">
               <a:rPr lang="en-US" smtClean="0"/>
-              <a:t>5/3/2024</a:t>
+              <a:t>5/4/2024</a:t>
             </a:fld>
             <a:endParaRPr lang="en-US"/>
           </a:p>
@@ -4644,7 +3619,7 @@
           <a:p>
             <a:fld id="{5AF5D662-6ABA-4404-89E8-F5EA9376F5F4}" type="datetimeFigureOut">
               <a:rPr lang="en-US" smtClean="0"/>
-              <a:t>5/3/2024</a:t>
+              <a:t>5/4/2024</a:t>
             </a:fld>
             <a:endParaRPr lang="en-US"/>
           </a:p>
@@ -4890,7 +3865,7 @@
           <a:p>
             <a:fld id="{5AF5D662-6ABA-4404-89E8-F5EA9376F5F4}" type="datetimeFigureOut">
               <a:rPr lang="en-US" smtClean="0"/>
-              <a:t>5/3/2024</a:t>
+              <a:t>5/4/2024</a:t>
             </a:fld>
             <a:endParaRPr lang="en-US"/>
           </a:p>
@@ -5122,7 +4097,7 @@
           <a:p>
             <a:fld id="{5AF5D662-6ABA-4404-89E8-F5EA9376F5F4}" type="datetimeFigureOut">
               <a:rPr lang="en-US" smtClean="0"/>
-              <a:t>5/3/2024</a:t>
+              <a:t>5/4/2024</a:t>
             </a:fld>
             <a:endParaRPr lang="en-US"/>
           </a:p>
@@ -5489,7 +4464,7 @@
           <a:p>
             <a:fld id="{5AF5D662-6ABA-4404-89E8-F5EA9376F5F4}" type="datetimeFigureOut">
               <a:rPr lang="en-US" smtClean="0"/>
-              <a:t>5/3/2024</a:t>
+              <a:t>5/4/2024</a:t>
             </a:fld>
             <a:endParaRPr lang="en-US"/>
           </a:p>
@@ -5607,7 +4582,7 @@
           <a:p>
             <a:fld id="{5AF5D662-6ABA-4404-89E8-F5EA9376F5F4}" type="datetimeFigureOut">
               <a:rPr lang="en-US" smtClean="0"/>
-              <a:t>5/3/2024</a:t>
+              <a:t>5/4/2024</a:t>
             </a:fld>
             <a:endParaRPr lang="en-US"/>
           </a:p>
@@ -5702,7 +4677,7 @@
           <a:p>
             <a:fld id="{5AF5D662-6ABA-4404-89E8-F5EA9376F5F4}" type="datetimeFigureOut">
               <a:rPr lang="en-US" smtClean="0"/>
-              <a:t>5/3/2024</a:t>
+              <a:t>5/4/2024</a:t>
             </a:fld>
             <a:endParaRPr lang="en-US"/>
           </a:p>
@@ -5979,7 +4954,7 @@
           <a:p>
             <a:fld id="{5AF5D662-6ABA-4404-89E8-F5EA9376F5F4}" type="datetimeFigureOut">
               <a:rPr lang="en-US" smtClean="0"/>
-              <a:t>5/3/2024</a:t>
+              <a:t>5/4/2024</a:t>
             </a:fld>
             <a:endParaRPr lang="en-US"/>
           </a:p>
@@ -6236,7 +5211,7 @@
           <a:p>
             <a:fld id="{5AF5D662-6ABA-4404-89E8-F5EA9376F5F4}" type="datetimeFigureOut">
               <a:rPr lang="en-US" smtClean="0"/>
-              <a:t>5/3/2024</a:t>
+              <a:t>5/4/2024</a:t>
             </a:fld>
             <a:endParaRPr lang="en-US"/>
           </a:p>
@@ -6449,7 +5424,7 @@
           <a:p>
             <a:fld id="{5AF5D662-6ABA-4404-89E8-F5EA9376F5F4}" type="datetimeFigureOut">
               <a:rPr lang="en-US" smtClean="0"/>
-              <a:t>5/3/2024</a:t>
+              <a:t>5/4/2024</a:t>
             </a:fld>
             <a:endParaRPr lang="en-US"/>
           </a:p>
@@ -13982,7 +12957,7 @@
       </p:grpSpPr>
       <p:sp useBgFill="1">
         <p:nvSpPr>
-          <p:cNvPr id="14" name="Rectangle 13">
+          <p:cNvPr id="21" name="Rectangle 20">
             <a:extLst>
               <a:ext uri="{FF2B5EF4-FFF2-40B4-BE49-F238E27FC236}">
                 <a16:creationId xmlns:a16="http://schemas.microsoft.com/office/drawing/2014/main" id="{2B97F24A-32CE-4C1C-A50D-3016B394DCFB}"/>
@@ -14048,8 +13023,8 @@
         </p:nvSpPr>
         <p:spPr>
           <a:xfrm>
-            <a:off x="457942" y="28776"/>
-            <a:ext cx="4983055" cy="1965187"/>
+            <a:off x="630936" y="639520"/>
+            <a:ext cx="3429000" cy="1719072"/>
           </a:xfrm>
           <a:prstGeom prst="rect">
             <a:avLst/>
@@ -14073,10 +13048,11 @@
               </a:spcAft>
             </a:pPr>
             <a:r>
-              <a:rPr lang="en-US" sz="4400" kern="1200" dirty="0">
+              <a:rPr lang="en-US" sz="4600" kern="1200">
                 <a:solidFill>
                   <a:schemeClr val="tx1"/>
                 </a:solidFill>
+                <a:latin typeface="+mj-lt"/>
                 <a:ea typeface="+mj-ea"/>
                 <a:cs typeface="+mj-cs"/>
               </a:rPr>
@@ -14087,10 +13063,10 @@
       </p:sp>
       <p:sp>
         <p:nvSpPr>
-          <p:cNvPr id="16" name="sketch line">
+          <p:cNvPr id="23" name="sketch line">
             <a:extLst>
               <a:ext uri="{FF2B5EF4-FFF2-40B4-BE49-F238E27FC236}">
-                <a16:creationId xmlns:a16="http://schemas.microsoft.com/office/drawing/2014/main" id="{6357EC4F-235E-4222-A36F-C7878ACE37F2}"/>
+                <a16:creationId xmlns:a16="http://schemas.microsoft.com/office/drawing/2014/main" id="{CD8B4F24-440B-49E9-B85D-733523DC064B}"/>
               </a:ext>
               <a:ext uri="{C183D7F6-B498-43B3-948B-1728B52AA6E4}">
                 <adec:decorative xmlns:adec="http://schemas.microsoft.com/office/drawing/2017/decorative" val="1"/>
@@ -14367,7 +13343,7 @@
         <p:spPr>
           <a:xfrm>
             <a:off x="630936" y="2807208"/>
-            <a:ext cx="3429000" cy="2774885"/>
+            <a:ext cx="3429000" cy="3410712"/>
           </a:xfrm>
           <a:prstGeom prst="rect">
             <a:avLst/>
@@ -14431,42 +13407,83 @@
             </a:r>
           </a:p>
           <a:p>
-            <a:pPr defTabSz="914400">
+            <a:pPr marL="285750" indent="-228600" defTabSz="914400">
               <a:lnSpc>
                 <a:spcPct val="90000"/>
               </a:lnSpc>
               <a:spcAft>
                 <a:spcPts val="600"/>
               </a:spcAft>
+              <a:buFont typeface="Arial" panose="020B0604020202020204" pitchFamily="34" charset="0"/>
+              <a:buChar char="•"/>
+            </a:pPr>
+            <a:r>
+              <a:rPr lang="en-US" sz="2200" dirty="0" err="1"/>
+              <a:t>Best_Xbg</a:t>
+            </a:r>
+            <a:r>
+              <a:rPr lang="en-US" sz="2200"/>
+              <a:t> performs better with less overfitting</a:t>
+            </a:r>
+            <a:endParaRPr lang="en-US" sz="2200" dirty="0"/>
+          </a:p>
+          <a:p>
+            <a:pPr indent="-228600" defTabSz="914400">
+              <a:lnSpc>
+                <a:spcPct val="90000"/>
+              </a:lnSpc>
+              <a:spcAft>
+                <a:spcPts val="600"/>
+              </a:spcAft>
+              <a:buFont typeface="Arial" panose="020B0604020202020204" pitchFamily="34" charset="0"/>
+              <a:buChar char="•"/>
             </a:pPr>
             <a:endParaRPr lang="en-US" sz="2200" b="1" dirty="0"/>
           </a:p>
         </p:txBody>
       </p:sp>
-      <p:graphicFrame>
-        <p:nvGraphicFramePr>
-          <p:cNvPr id="7" name="Chart 6"/>
-          <p:cNvGraphicFramePr>
-            <a:graphicFrameLocks/>
-          </p:cNvGraphicFramePr>
-          <p:nvPr>
-            <p:extLst>
-              <p:ext uri="{D42A27DB-BD31-4B8C-83A1-F6EECF244321}">
-                <p14:modId xmlns:p14="http://schemas.microsoft.com/office/powerpoint/2010/main" val="1660531828"/>
-              </p:ext>
-            </p:extLst>
-          </p:nvPr>
-        </p:nvGraphicFramePr>
-        <p:xfrm>
-          <a:off x="4985576" y="805097"/>
-          <a:ext cx="7054617" cy="6024127"/>
-        </p:xfrm>
-        <a:graphic>
-          <a:graphicData uri="http://schemas.openxmlformats.org/drawingml/2006/chart">
-            <c:chart xmlns:c="http://schemas.openxmlformats.org/drawingml/2006/chart" xmlns:r="http://schemas.openxmlformats.org/officeDocument/2006/relationships" r:id="rId2"/>
-          </a:graphicData>
-        </a:graphic>
-      </p:graphicFrame>
+      <p:pic>
+        <p:nvPicPr>
+          <p:cNvPr id="3" name="Picture 2" descr="A graph with numbers and a bar&#10;&#10;Description automatically generated with medium confidence">
+            <a:extLst>
+              <a:ext uri="{FF2B5EF4-FFF2-40B4-BE49-F238E27FC236}">
+                <a16:creationId xmlns:a16="http://schemas.microsoft.com/office/drawing/2014/main" id="{720314B4-4C97-1AF7-228F-85221E6CDDAE}"/>
+              </a:ext>
+            </a:extLst>
+          </p:cNvPr>
+          <p:cNvPicPr>
+            <a:picLocks noChangeAspect="1"/>
+          </p:cNvPicPr>
+          <p:nvPr/>
+        </p:nvPicPr>
+        <p:blipFill>
+          <a:blip r:embed="rId2">
+            <a:extLst>
+              <a:ext uri="{28A0092B-C50C-407E-A947-70E740481C1C}">
+                <a14:useLocalDpi xmlns:a14="http://schemas.microsoft.com/office/drawing/2010/main" val="0"/>
+              </a:ext>
+            </a:extLst>
+          </a:blip>
+          <a:stretch>
+            <a:fillRect/>
+          </a:stretch>
+        </p:blipFill>
+        <p:spPr>
+          <a:xfrm>
+            <a:off x="4052992" y="736549"/>
+            <a:ext cx="7505024" cy="5853918"/>
+          </a:xfrm>
+          <a:prstGeom prst="rect">
+            <a:avLst/>
+          </a:prstGeom>
+          <a:ln>
+            <a:noFill/>
+          </a:ln>
+          <a:effectLst>
+            <a:softEdge rad="112500"/>
+          </a:effectLst>
+        </p:spPr>
+      </p:pic>
     </p:spTree>
     <p:extLst>
       <p:ext uri="{BB962C8B-B14F-4D97-AF65-F5344CB8AC3E}">

--- a/Final presentation Leveraging Machine Learning to Combat Bushmeat Poaching.pptx
+++ b/Final presentation Leveraging Machine Learning to Combat Bushmeat Poaching.pptx
@@ -6643,7 +6643,7 @@
         </p:nvSpPr>
         <p:spPr>
           <a:xfrm>
-            <a:off x="3199403" y="-350885"/>
+            <a:off x="-13455" y="-443248"/>
             <a:ext cx="5241850" cy="1899912"/>
           </a:xfrm>
         </p:spPr>
@@ -6676,8 +6676,8 @@
         </p:nvSpPr>
         <p:spPr>
           <a:xfrm>
-            <a:off x="6096000" y="893135"/>
-            <a:ext cx="5897526" cy="5741581"/>
+            <a:off x="4567172" y="285035"/>
+            <a:ext cx="7643199" cy="5741581"/>
           </a:xfrm>
           <a:prstGeom prst="rect">
             <a:avLst/>
@@ -6700,8 +6700,94 @@
               <a:buChar char="•"/>
             </a:pPr>
             <a:r>
-              <a:rPr lang="en-US" dirty="0"/>
-              <a:t>Enhancing the predictive models developed using time series analysis techniques</a:t>
+              <a:rPr lang="en-US" b="1" dirty="0">
+                <a:solidFill>
+                  <a:schemeClr val="tx1">
+                    <a:lumMod val="95000"/>
+                    <a:lumOff val="5000"/>
+                  </a:schemeClr>
+                </a:solidFill>
+                <a:effectLst>
+                  <a:outerShdw blurRad="38100" dist="38100" dir="2700000" algn="tl">
+                    <a:srgbClr val="000000">
+                      <a:alpha val="43137"/>
+                    </a:srgbClr>
+                  </a:outerShdw>
+                </a:effectLst>
+              </a:rPr>
+              <a:t>Utilize </a:t>
+            </a:r>
+            <a:r>
+              <a:rPr lang="en-US" b="1" dirty="0" err="1">
+                <a:solidFill>
+                  <a:schemeClr val="tx1">
+                    <a:lumMod val="95000"/>
+                    <a:lumOff val="5000"/>
+                  </a:schemeClr>
+                </a:solidFill>
+                <a:effectLst>
+                  <a:outerShdw blurRad="38100" dist="38100" dir="2700000" algn="tl">
+                    <a:srgbClr val="000000">
+                      <a:alpha val="43137"/>
+                    </a:srgbClr>
+                  </a:outerShdw>
+                </a:effectLst>
+              </a:rPr>
+              <a:t>XGBoost</a:t>
+            </a:r>
+            <a:r>
+              <a:rPr lang="en-US" b="1" dirty="0">
+                <a:solidFill>
+                  <a:schemeClr val="tx1">
+                    <a:lumMod val="95000"/>
+                    <a:lumOff val="5000"/>
+                  </a:schemeClr>
+                </a:solidFill>
+                <a:effectLst>
+                  <a:outerShdw blurRad="38100" dist="38100" dir="2700000" algn="tl">
+                    <a:srgbClr val="000000">
+                      <a:alpha val="43137"/>
+                    </a:srgbClr>
+                  </a:outerShdw>
+                </a:effectLst>
+              </a:rPr>
+              <a:t> for Forecasting: </a:t>
+            </a:r>
+            <a:r>
+              <a:rPr lang="en-US" b="1" dirty="0" err="1">
+                <a:solidFill>
+                  <a:schemeClr val="tx1">
+                    <a:lumMod val="95000"/>
+                    <a:lumOff val="5000"/>
+                  </a:schemeClr>
+                </a:solidFill>
+                <a:effectLst>
+                  <a:outerShdw blurRad="38100" dist="38100" dir="2700000" algn="tl">
+                    <a:srgbClr val="000000">
+                      <a:alpha val="43137"/>
+                    </a:srgbClr>
+                  </a:outerShdw>
+                </a:effectLst>
+              </a:rPr>
+              <a:t>XGBoost</a:t>
+            </a:r>
+            <a:r>
+              <a:rPr lang="en-US" b="1" dirty="0">
+                <a:solidFill>
+                  <a:schemeClr val="tx1">
+                    <a:lumMod val="95000"/>
+                    <a:lumOff val="5000"/>
+                  </a:schemeClr>
+                </a:solidFill>
+                <a:effectLst>
+                  <a:outerShdw blurRad="38100" dist="38100" dir="2700000" algn="tl">
+                    <a:srgbClr val="000000">
+                      <a:alpha val="43137"/>
+                    </a:srgbClr>
+                  </a:outerShdw>
+                </a:effectLst>
+              </a:rPr>
+              <a:t> is recommended for forecasting illegal logging and poaching due to its superior accuracy over ARIMA and VAR models.</a:t>
             </a:r>
           </a:p>
           <a:p>
@@ -6716,44 +6802,22 @@
               <a:buChar char="•"/>
             </a:pPr>
             <a:r>
-              <a:rPr lang="en-US" dirty="0"/>
-              <a:t>Use of ensemble techniques, combining the strengths of multiple algorithms such as ARIMA, VAR, and </a:t>
-            </a:r>
-            <a:r>
-              <a:rPr lang="en-US" dirty="0" err="1"/>
-              <a:t>XGBoost</a:t>
-            </a:r>
-            <a:r>
-              <a:rPr lang="en-US" dirty="0"/>
-              <a:t>, to: </a:t>
-            </a:r>
-          </a:p>
-          <a:p>
-            <a:pPr marL="484188" defTabSz="914400">
-              <a:lnSpc>
-                <a:spcPct val="90000"/>
-              </a:lnSpc>
-              <a:spcAft>
-                <a:spcPts val="600"/>
-              </a:spcAft>
-            </a:pPr>
-            <a:r>
-              <a:rPr lang="en-US" dirty="0"/>
-              <a:t>	  - Improve the accuracy</a:t>
-            </a:r>
-          </a:p>
-          <a:p>
-            <a:pPr marL="484188" defTabSz="914400">
-              <a:lnSpc>
-                <a:spcPct val="90000"/>
-              </a:lnSpc>
-              <a:spcAft>
-                <a:spcPts val="600"/>
-              </a:spcAft>
-            </a:pPr>
-            <a:r>
-              <a:rPr lang="en-US" dirty="0"/>
-              <a:t>          - Improve the Robustness of the predictive models</a:t>
+              <a:rPr lang="en-US" b="1" dirty="0">
+                <a:solidFill>
+                  <a:schemeClr val="tx1">
+                    <a:lumMod val="95000"/>
+                    <a:lumOff val="5000"/>
+                  </a:schemeClr>
+                </a:solidFill>
+                <a:effectLst>
+                  <a:outerShdw blurRad="38100" dist="38100" dir="2700000" algn="tl">
+                    <a:srgbClr val="000000">
+                      <a:alpha val="43137"/>
+                    </a:srgbClr>
+                  </a:outerShdw>
+                </a:effectLst>
+              </a:rPr>
+              <a:t>Monitor and Respond to Trends: Continuously monitor trends in illegal activities and adapt strategies accordingly, considering seasonal patterns.</a:t>
             </a:r>
           </a:p>
           <a:p>
@@ -6768,8 +6832,22 @@
               <a:buChar char="•"/>
             </a:pPr>
             <a:r>
-              <a:rPr lang="en-US" dirty="0"/>
-              <a:t>Continuous monitoring and evaluation of the predictive models' performance.</a:t>
+              <a:rPr lang="en-US" b="1" dirty="0">
+                <a:solidFill>
+                  <a:schemeClr val="tx1">
+                    <a:lumMod val="95000"/>
+                    <a:lumOff val="5000"/>
+                  </a:schemeClr>
+                </a:solidFill>
+                <a:effectLst>
+                  <a:outerShdw blurRad="38100" dist="38100" dir="2700000" algn="tl">
+                    <a:srgbClr val="000000">
+                      <a:alpha val="43137"/>
+                    </a:srgbClr>
+                  </a:outerShdw>
+                </a:effectLst>
+              </a:rPr>
+              <a:t>Enhance Conservation Strategies: Develop targeted conservation strategies based on predictive model insights to address illegal activities and support ecological preservation and community livelihoods.</a:t>
             </a:r>
           </a:p>
           <a:p>
@@ -6784,8 +6862,82 @@
               <a:buChar char="•"/>
             </a:pPr>
             <a:r>
-              <a:rPr lang="en-US" dirty="0"/>
-              <a:t>Using metrics such as Root Mean Squared Error (RMSE), to ensure their effectiveness in guiding conservation interventions and law enforcement strategies.</a:t>
+              <a:rPr lang="en-US" b="1" dirty="0">
+                <a:solidFill>
+                  <a:schemeClr val="tx1">
+                    <a:lumMod val="95000"/>
+                    <a:lumOff val="5000"/>
+                  </a:schemeClr>
+                </a:solidFill>
+                <a:effectLst>
+                  <a:outerShdw blurRad="38100" dist="38100" dir="2700000" algn="tl">
+                    <a:srgbClr val="000000">
+                      <a:alpha val="43137"/>
+                    </a:srgbClr>
+                  </a:outerShdw>
+                </a:effectLst>
+              </a:rPr>
+              <a:t>Policy Recommendations: Use findings to inform policies that safeguard ASF's ecological integrity, focusing on sustainable practices and community engagement.</a:t>
+            </a:r>
+          </a:p>
+          <a:p>
+            <a:pPr marL="712788" indent="-228600" defTabSz="914400">
+              <a:lnSpc>
+                <a:spcPct val="90000"/>
+              </a:lnSpc>
+              <a:spcAft>
+                <a:spcPts val="600"/>
+              </a:spcAft>
+              <a:buFont typeface="Arial" panose="020B0604020202020204" pitchFamily="34" charset="0"/>
+              <a:buChar char="•"/>
+            </a:pPr>
+            <a:r>
+              <a:rPr lang="en-US" b="1" dirty="0">
+                <a:solidFill>
+                  <a:schemeClr val="tx1">
+                    <a:lumMod val="95000"/>
+                    <a:lumOff val="5000"/>
+                  </a:schemeClr>
+                </a:solidFill>
+                <a:effectLst>
+                  <a:outerShdw blurRad="38100" dist="38100" dir="2700000" algn="tl">
+                    <a:srgbClr val="000000">
+                      <a:alpha val="43137"/>
+                    </a:srgbClr>
+                  </a:outerShdw>
+                </a:effectLst>
+              </a:rPr>
+              <a:t>Collaborative Efforts: Foster collaboration among stakeholders to enhance conservation efforts and combat illegal activities.</a:t>
+            </a:r>
+          </a:p>
+          <a:p>
+            <a:pPr marL="712788" indent="-228600" defTabSz="914400">
+              <a:lnSpc>
+                <a:spcPct val="90000"/>
+              </a:lnSpc>
+              <a:spcAft>
+                <a:spcPts val="600"/>
+              </a:spcAft>
+              <a:buFont typeface="Arial" panose="020B0604020202020204" pitchFamily="34" charset="0"/>
+              <a:buChar char="•"/>
+            </a:pPr>
+            <a:r>
+              <a:rPr lang="en-US" b="1" dirty="0">
+                <a:solidFill>
+                  <a:schemeClr val="tx1">
+                    <a:lumMod val="95000"/>
+                    <a:lumOff val="5000"/>
+                  </a:schemeClr>
+                </a:solidFill>
+                <a:effectLst>
+                  <a:outerShdw blurRad="38100" dist="38100" dir="2700000" algn="tl">
+                    <a:srgbClr val="000000">
+                      <a:alpha val="43137"/>
+                    </a:srgbClr>
+                  </a:outerShdw>
+                </a:effectLst>
+              </a:rPr>
+              <a:t>Continuous Evaluation: Regularly evaluate strategies and adapt based on new insights for long-term conservation success.</a:t>
             </a:r>
           </a:p>
           <a:p>

--- a/Final presentation Leveraging Machine Learning to Combat Bushmeat Poaching.pptx
+++ b/Final presentation Leveraging Machine Learning to Combat Bushmeat Poaching.pptx
@@ -6100,6 +6100,18 @@
   <p:clrMapOvr>
     <a:masterClrMapping/>
   </p:clrMapOvr>
+  <mc:AlternateContent xmlns:mc="http://schemas.openxmlformats.org/markup-compatibility/2006">
+    <mc:Choice xmlns:p14="http://schemas.microsoft.com/office/powerpoint/2010/main" Requires="p14">
+      <p:transition spd="slow" p14:dur="2000">
+        <p14:prism isContent="1"/>
+      </p:transition>
+    </mc:Choice>
+    <mc:Fallback>
+      <p:transition spd="slow">
+        <p:fade/>
+      </p:transition>
+    </mc:Fallback>
+  </mc:AlternateContent>
 </p:sld>
 </file>
 
@@ -6422,6 +6434,9 @@
   <p:clrMapOvr>
     <a:masterClrMapping/>
   </p:clrMapOvr>
+  <p:transition spd="slow">
+    <p:randomBar dir="vert"/>
+  </p:transition>
 </p:sld>
 </file>
 
@@ -7016,6 +7031,18 @@
   <p:clrMapOvr>
     <a:masterClrMapping/>
   </p:clrMapOvr>
+  <mc:AlternateContent xmlns:mc="http://schemas.openxmlformats.org/markup-compatibility/2006">
+    <mc:Choice xmlns:p14="http://schemas.microsoft.com/office/powerpoint/2010/main" Requires="p14">
+      <p:transition spd="slow" p14:dur="800">
+        <p:circle/>
+      </p:transition>
+    </mc:Choice>
+    <mc:Fallback>
+      <p:transition spd="slow">
+        <p:circle/>
+      </p:transition>
+    </mc:Fallback>
+  </mc:AlternateContent>
 </p:sld>
 </file>
 
@@ -7989,6 +8016,18 @@
   <p:clrMapOvr>
     <a:masterClrMapping/>
   </p:clrMapOvr>
+  <mc:AlternateContent xmlns:mc="http://schemas.openxmlformats.org/markup-compatibility/2006">
+    <mc:Choice xmlns:p14="http://schemas.microsoft.com/office/powerpoint/2010/main" Requires="p14">
+      <p:transition spd="slow" p14:dur="2500">
+        <p:checker/>
+      </p:transition>
+    </mc:Choice>
+    <mc:Fallback>
+      <p:transition spd="slow">
+        <p:checker/>
+      </p:transition>
+    </mc:Fallback>
+  </mc:AlternateContent>
 </p:sld>
 </file>
 
@@ -8715,6 +8754,18 @@
   <p:clrMapOvr>
     <a:masterClrMapping/>
   </p:clrMapOvr>
+  <mc:AlternateContent xmlns:mc="http://schemas.openxmlformats.org/markup-compatibility/2006">
+    <mc:Choice xmlns:p15="http://schemas.microsoft.com/office/powerpoint/2012/main" Requires="p15">
+      <p:transition xmlns:p14="http://schemas.microsoft.com/office/powerpoint/2010/main" spd="slow" p14:dur="1250">
+        <p15:prstTrans prst="pageCurlDouble"/>
+      </p:transition>
+    </mc:Choice>
+    <mc:Fallback>
+      <p:transition spd="slow">
+        <p:fade/>
+      </p:transition>
+    </mc:Fallback>
+  </mc:AlternateContent>
 </p:sld>
 </file>
 
@@ -9423,6 +9474,9 @@
   <p:clrMapOvr>
     <a:masterClrMapping/>
   </p:clrMapOvr>
+  <p:transition spd="med">
+    <p:pull/>
+  </p:transition>
 </p:sld>
 </file>
 
@@ -10155,6 +10209,18 @@
   <p:clrMapOvr>
     <a:masterClrMapping/>
   </p:clrMapOvr>
+  <mc:AlternateContent xmlns:mc="http://schemas.openxmlformats.org/markup-compatibility/2006">
+    <mc:Choice xmlns:p14="http://schemas.microsoft.com/office/powerpoint/2010/main" Requires="p14">
+      <p:transition spd="slow" p14:dur="3400">
+        <p14:reveal/>
+      </p:transition>
+    </mc:Choice>
+    <mc:Fallback>
+      <p:transition spd="slow">
+        <p:fade/>
+      </p:transition>
+    </mc:Fallback>
+  </mc:AlternateContent>
 </p:sld>
 </file>
 
@@ -10949,6 +11015,9 @@
   <p:clrMapOvr>
     <a:masterClrMapping/>
   </p:clrMapOvr>
+  <p:transition spd="slow">
+    <p:push dir="u"/>
+  </p:transition>
 </p:sld>
 </file>
 
@@ -11484,6 +11553,18 @@
   <p:clrMapOvr>
     <a:masterClrMapping/>
   </p:clrMapOvr>
+  <mc:AlternateContent xmlns:mc="http://schemas.openxmlformats.org/markup-compatibility/2006">
+    <mc:Choice xmlns:p15="http://schemas.microsoft.com/office/powerpoint/2012/main" Requires="p15">
+      <p:transition xmlns:p14="http://schemas.microsoft.com/office/powerpoint/2010/main" spd="slow" p14:dur="2000">
+        <p15:prstTrans prst="fallOver"/>
+      </p:transition>
+    </mc:Choice>
+    <mc:Fallback>
+      <p:transition spd="slow">
+        <p:fade/>
+      </p:transition>
+    </mc:Fallback>
+  </mc:AlternateContent>
 </p:sld>
 </file>
 
@@ -12037,6 +12118,18 @@
   <p:clrMapOvr>
     <a:masterClrMapping/>
   </p:clrMapOvr>
+  <mc:AlternateContent xmlns:mc="http://schemas.openxmlformats.org/markup-compatibility/2006">
+    <mc:Choice xmlns:p15="http://schemas.microsoft.com/office/powerpoint/2012/main" Requires="p15">
+      <p:transition xmlns:p14="http://schemas.microsoft.com/office/powerpoint/2010/main" spd="slow" p14:dur="1250">
+        <p15:prstTrans prst="peelOff"/>
+      </p:transition>
+    </mc:Choice>
+    <mc:Fallback>
+      <p:transition spd="slow">
+        <p:fade/>
+      </p:transition>
+    </mc:Fallback>
+  </mc:AlternateContent>
 </p:sld>
 </file>
 
@@ -12690,6 +12783,18 @@
   <p:clrMapOvr>
     <a:masterClrMapping/>
   </p:clrMapOvr>
+  <mc:AlternateContent xmlns:mc="http://schemas.openxmlformats.org/markup-compatibility/2006">
+    <mc:Choice xmlns:p14="http://schemas.microsoft.com/office/powerpoint/2010/main" Requires="p14">
+      <p:transition spd="slow" p14:dur="3400">
+        <p14:reveal/>
+      </p:transition>
+    </mc:Choice>
+    <mc:Fallback>
+      <p:transition spd="slow">
+        <p:fade/>
+      </p:transition>
+    </mc:Fallback>
+  </mc:AlternateContent>
 </p:sld>
 </file>
 
@@ -13079,6 +13184,9 @@
   <p:clrMapOvr>
     <a:masterClrMapping/>
   </p:clrMapOvr>
+  <p:transition spd="slow">
+    <p:wipe/>
+  </p:transition>
 </p:sld>
 </file>
 
@@ -13646,6 +13754,18 @@
   <p:clrMapOvr>
     <a:masterClrMapping/>
   </p:clrMapOvr>
+  <mc:AlternateContent xmlns:mc="http://schemas.openxmlformats.org/markup-compatibility/2006">
+    <mc:Choice xmlns:p14="http://schemas.microsoft.com/office/powerpoint/2010/main" Requires="p14">
+      <p:transition spd="slow" p14:dur="3900">
+        <p14:glitter pattern="hexagon"/>
+      </p:transition>
+    </mc:Choice>
+    <mc:Fallback>
+      <p:transition spd="slow">
+        <p:fade/>
+      </p:transition>
+    </mc:Fallback>
+  </mc:AlternateContent>
 </p:sld>
 </file>
 
